--- a/w08/W08.pptx
+++ b/w08/W08.pptx
@@ -9,9 +9,8 @@
     <p:sldId id="271" r:id="rId3"/>
     <p:sldId id="272" r:id="rId4"/>
     <p:sldId id="281" r:id="rId5"/>
-    <p:sldId id="280" r:id="rId6"/>
-    <p:sldId id="282" r:id="rId7"/>
-    <p:sldId id="283" r:id="rId8"/>
+    <p:sldId id="282" r:id="rId6"/>
+    <p:sldId id="283" r:id="rId7"/>
   </p:sldIdLst>
   <p:sldSz cx="9144000" cy="6858000" type="screen4x3"/>
   <p:notesSz cx="6888163" cy="10020300"/>
@@ -404,7 +403,7 @@
           <a:p>
             <a:fld id="{5BBEAD13-0566-4C6C-97E7-55F17F24B09F}" type="datetimeFigureOut">
               <a:rPr lang="zh-TW" altLang="en-US" smtClean="0"/>
-              <a:t>2022/3/28</a:t>
+              <a:t>2022/4/14</a:t>
             </a:fld>
             <a:endParaRPr lang="zh-TW" altLang="en-US"/>
           </a:p>
@@ -595,7 +594,7 @@
           <a:p>
             <a:fld id="{5BBEAD13-0566-4C6C-97E7-55F17F24B09F}" type="datetimeFigureOut">
               <a:rPr lang="zh-TW" altLang="en-US" smtClean="0"/>
-              <a:t>2022/3/28</a:t>
+              <a:t>2022/4/14</a:t>
             </a:fld>
             <a:endParaRPr lang="zh-TW" altLang="en-US"/>
           </a:p>
@@ -780,7 +779,7 @@
           <a:p>
             <a:fld id="{5BBEAD13-0566-4C6C-97E7-55F17F24B09F}" type="datetimeFigureOut">
               <a:rPr lang="zh-TW" altLang="en-US" smtClean="0"/>
-              <a:t>2022/3/28</a:t>
+              <a:t>2022/4/14</a:t>
             </a:fld>
             <a:endParaRPr lang="zh-TW" altLang="en-US"/>
           </a:p>
@@ -1043,7 +1042,7 @@
           <a:p>
             <a:fld id="{5BBEAD13-0566-4C6C-97E7-55F17F24B09F}" type="datetimeFigureOut">
               <a:rPr lang="zh-TW" altLang="en-US" smtClean="0"/>
-              <a:t>2022/3/28</a:t>
+              <a:t>2022/4/14</a:t>
             </a:fld>
             <a:endParaRPr lang="zh-TW" altLang="en-US"/>
           </a:p>
@@ -1459,7 +1458,7 @@
           <a:p>
             <a:fld id="{5BBEAD13-0566-4C6C-97E7-55F17F24B09F}" type="datetimeFigureOut">
               <a:rPr lang="zh-TW" altLang="en-US" smtClean="0"/>
-              <a:t>2022/3/28</a:t>
+              <a:t>2022/4/14</a:t>
             </a:fld>
             <a:endParaRPr lang="zh-TW" altLang="en-US"/>
           </a:p>
@@ -1701,7 +1700,7 @@
           <a:p>
             <a:fld id="{5BBEAD13-0566-4C6C-97E7-55F17F24B09F}" type="datetimeFigureOut">
               <a:rPr lang="zh-TW" altLang="en-US" smtClean="0"/>
-              <a:t>2022/3/28</a:t>
+              <a:t>2022/4/14</a:t>
             </a:fld>
             <a:endParaRPr lang="zh-TW" altLang="en-US"/>
           </a:p>
@@ -1937,7 +1936,7 @@
           <a:p>
             <a:fld id="{5BBEAD13-0566-4C6C-97E7-55F17F24B09F}" type="datetimeFigureOut">
               <a:rPr lang="zh-TW" altLang="en-US" smtClean="0"/>
-              <a:t>2022/3/28</a:t>
+              <a:t>2022/4/14</a:t>
             </a:fld>
             <a:endParaRPr lang="zh-TW" altLang="en-US"/>
           </a:p>
@@ -2132,7 +2131,7 @@
           <a:p>
             <a:fld id="{5BBEAD13-0566-4C6C-97E7-55F17F24B09F}" type="datetimeFigureOut">
               <a:rPr lang="zh-TW" altLang="en-US" smtClean="0"/>
-              <a:t>2022/3/28</a:t>
+              <a:t>2022/4/14</a:t>
             </a:fld>
             <a:endParaRPr lang="zh-TW" altLang="en-US"/>
           </a:p>
@@ -2230,7 +2229,7 @@
           <a:p>
             <a:fld id="{5BBEAD13-0566-4C6C-97E7-55F17F24B09F}" type="datetimeFigureOut">
               <a:rPr lang="zh-TW" altLang="en-US" smtClean="0"/>
-              <a:t>2022/3/28</a:t>
+              <a:t>2022/4/14</a:t>
             </a:fld>
             <a:endParaRPr lang="zh-TW" altLang="en-US"/>
           </a:p>
@@ -2366,7 +2365,7 @@
           <a:p>
             <a:fld id="{5BBEAD13-0566-4C6C-97E7-55F17F24B09F}" type="datetimeFigureOut">
               <a:rPr lang="zh-TW" altLang="en-US" smtClean="0"/>
-              <a:t>2022/3/28</a:t>
+              <a:t>2022/4/14</a:t>
             </a:fld>
             <a:endParaRPr lang="zh-TW" altLang="en-US"/>
           </a:p>
@@ -2884,7 +2883,7 @@
           <a:p>
             <a:fld id="{5BBEAD13-0566-4C6C-97E7-55F17F24B09F}" type="datetimeFigureOut">
               <a:rPr lang="zh-TW" altLang="en-US" smtClean="0"/>
-              <a:t>2022/3/28</a:t>
+              <a:t>2022/4/14</a:t>
             </a:fld>
             <a:endParaRPr lang="zh-TW" altLang="en-US"/>
           </a:p>
@@ -3145,7 +3144,7 @@
           <a:p>
             <a:fld id="{5BBEAD13-0566-4C6C-97E7-55F17F24B09F}" type="datetimeFigureOut">
               <a:rPr lang="zh-TW" altLang="en-US" smtClean="0"/>
-              <a:t>2022/3/28</a:t>
+              <a:t>2022/4/14</a:t>
             </a:fld>
             <a:endParaRPr lang="zh-TW" altLang="en-US"/>
           </a:p>
@@ -3709,11 +3708,7 @@
             </a:r>
             <a:r>
               <a:rPr lang="en-US" altLang="zh-TW" dirty="0" smtClean="0"/>
-              <a:t>-</a:t>
-            </a:r>
-            <a:r>
-              <a:rPr lang="en-US" altLang="zh-TW" dirty="0" smtClean="0"/>
-              <a:t>W08</a:t>
+              <a:t>-W08</a:t>
             </a:r>
             <a:endParaRPr lang="zh-TW" altLang="en-US" dirty="0"/>
           </a:p>
@@ -4262,7 +4257,9 @@
         </p:nvSpPr>
         <p:spPr/>
         <p:txBody>
-          <a:bodyPr/>
+          <a:bodyPr>
+            <a:normAutofit/>
+          </a:bodyPr>
           <a:lstStyle/>
           <a:p>
             <a:r>
@@ -4271,7 +4268,15 @@
             </a:r>
             <a:r>
               <a:rPr lang="zh-TW" altLang="en-US" dirty="0" smtClean="0"/>
-              <a:t>計算經過時間</a:t>
+              <a:t>播放</a:t>
+            </a:r>
+            <a:r>
+              <a:rPr lang="zh-TW" altLang="en-US" dirty="0" smtClean="0"/>
+              <a:t>、暫停、停止</a:t>
+            </a:r>
+            <a:r>
+              <a:rPr lang="zh-TW" altLang="en-US" dirty="0" smtClean="0"/>
+              <a:t>功能</a:t>
             </a:r>
             <a:endParaRPr lang="zh-TW" altLang="en-US" dirty="0"/>
           </a:p>
@@ -4293,39 +4298,71 @@
           <a:lstStyle/>
           <a:p>
             <a:r>
+              <a:rPr lang="en-US" altLang="zh-TW" dirty="0" smtClean="0"/>
+              <a:t>Play: </a:t>
+            </a:r>
+            <a:r>
               <a:rPr lang="zh-TW" altLang="en-US" dirty="0" smtClean="0"/>
-              <a:t>計算程式經過時間</a:t>
+              <a:t>播放</a:t>
             </a:r>
             <a:endParaRPr lang="en-US" altLang="zh-TW" dirty="0" smtClean="0"/>
           </a:p>
           <a:p>
             <a:r>
+              <a:rPr lang="en-US" altLang="zh-TW" dirty="0" smtClean="0"/>
+              <a:t>Pause:</a:t>
+            </a:r>
+            <a:r>
               <a:rPr lang="zh-TW" altLang="en-US" dirty="0" smtClean="0"/>
-              <a:t>程式的</a:t>
-            </a:r>
-            <a:r>
-              <a:rPr lang="en-US" altLang="zh-TW" dirty="0" err="1" smtClean="0"/>
-              <a:t>SystemTime</a:t>
+              <a:t>暫停，歌曲會接著撥放</a:t>
+            </a:r>
+            <a:endParaRPr lang="en-US" altLang="zh-TW" dirty="0" smtClean="0"/>
+          </a:p>
+          <a:p>
+            <a:r>
+              <a:rPr lang="en-US" altLang="zh-TW" dirty="0" smtClean="0"/>
+              <a:t>Stop: </a:t>
             </a:r>
             <a:r>
               <a:rPr lang="zh-TW" altLang="en-US" dirty="0" smtClean="0"/>
-              <a:t>會是以</a:t>
-            </a:r>
-            <a:r>
-              <a:rPr lang="en-US" altLang="zh-TW" dirty="0" err="1" smtClean="0"/>
-              <a:t>ms</a:t>
+              <a:t>停止，歌曲會重來</a:t>
+            </a:r>
+            <a:r>
+              <a:rPr lang="en-US" altLang="zh-TW" dirty="0" smtClean="0"/>
+              <a:t/>
+            </a:r>
+            <a:br>
+              <a:rPr lang="en-US" altLang="zh-TW" dirty="0" smtClean="0"/>
+            </a:br>
+            <a:r>
+              <a:rPr lang="en-US" altLang="zh-TW" dirty="0" smtClean="0"/>
+              <a:t>(iPhone</a:t>
             </a:r>
             <a:r>
               <a:rPr lang="zh-TW" altLang="en-US" dirty="0" smtClean="0"/>
-              <a:t>為單位</a:t>
-            </a:r>
+              <a:t>上的</a:t>
+            </a:r>
+            <a:r>
+              <a:rPr lang="en-US" altLang="zh-TW" dirty="0" smtClean="0"/>
+              <a:t>Stop</a:t>
+            </a:r>
+            <a:r>
+              <a:rPr lang="zh-TW" altLang="en-US" dirty="0" smtClean="0"/>
+              <a:t>功能會等同</a:t>
+            </a:r>
+            <a:r>
+              <a:rPr lang="en-US" altLang="zh-TW" dirty="0" smtClean="0"/>
+              <a:t>Pause)</a:t>
+            </a:r>
+          </a:p>
+          <a:p>
             <a:endParaRPr lang="zh-TW" altLang="en-US" dirty="0"/>
           </a:p>
         </p:txBody>
       </p:sp>
       <p:pic>
         <p:nvPicPr>
-          <p:cNvPr id="2051" name="Picture 3"/>
+          <p:cNvPr id="3074" name="Picture 2"/>
           <p:cNvPicPr>
             <a:picLocks noChangeAspect="1" noChangeArrowheads="1"/>
           </p:cNvPicPr>
@@ -4346,8 +4383,8 @@
         </p:blipFill>
         <p:spPr bwMode="auto">
           <a:xfrm>
-            <a:off x="-108520" y="3910012"/>
-            <a:ext cx="9715500" cy="2876550"/>
+            <a:off x="34850" y="3933056"/>
+            <a:ext cx="6837363" cy="2762250"/>
           </a:xfrm>
           <a:prstGeom prst="rect">
             <a:avLst/>
@@ -4387,96 +4424,16 @@
           </a:extLst>
         </p:spPr>
       </p:pic>
-    </p:spTree>
-    <p:extLst>
-      <p:ext uri="{BB962C8B-B14F-4D97-AF65-F5344CB8AC3E}">
-        <p14:creationId xmlns:p14="http://schemas.microsoft.com/office/powerpoint/2010/main" val="1850918197"/>
-      </p:ext>
-    </p:extLst>
-  </p:cSld>
-  <p:clrMapOvr>
-    <a:masterClrMapping/>
-  </p:clrMapOvr>
-</p:sld>
-</file>
-
-<file path=ppt/slides/slide6.xml><?xml version="1.0" encoding="utf-8"?>
-<p:sld xmlns:a="http://schemas.openxmlformats.org/drawingml/2006/main" xmlns:r="http://schemas.openxmlformats.org/officeDocument/2006/relationships" xmlns:p="http://schemas.openxmlformats.org/presentationml/2006/main">
-  <p:cSld>
-    <p:spTree>
-      <p:nvGrpSpPr>
-        <p:cNvPr id="1" name=""/>
-        <p:cNvGrpSpPr/>
-        <p:nvPr/>
-      </p:nvGrpSpPr>
-      <p:grpSpPr>
-        <a:xfrm>
-          <a:off x="0" y="0"/>
-          <a:ext cx="0" cy="0"/>
-          <a:chOff x="0" y="0"/>
-          <a:chExt cx="0" cy="0"/>
-        </a:xfrm>
-      </p:grpSpPr>
-      <p:sp>
-        <p:nvSpPr>
-          <p:cNvPr id="2" name="標題 1"/>
-          <p:cNvSpPr>
-            <a:spLocks noGrp="1"/>
-          </p:cNvSpPr>
-          <p:nvPr>
-            <p:ph type="title"/>
-          </p:nvPr>
-        </p:nvSpPr>
-        <p:spPr/>
-        <p:txBody>
-          <a:bodyPr/>
-          <a:lstStyle/>
-          <a:p>
-            <a:r>
-              <a:rPr lang="en-US" altLang="zh-TW" dirty="0" smtClean="0"/>
-              <a:t>Demo2: </a:t>
-            </a:r>
-            <a:r>
-              <a:rPr lang="zh-TW" altLang="en-US" dirty="0" smtClean="0"/>
-              <a:t>播放、停止功能</a:t>
-            </a:r>
-            <a:endParaRPr lang="zh-TW" altLang="en-US" dirty="0"/>
-          </a:p>
-        </p:txBody>
-      </p:sp>
-      <p:sp>
-        <p:nvSpPr>
-          <p:cNvPr id="3" name="內容版面配置區 2"/>
-          <p:cNvSpPr>
-            <a:spLocks noGrp="1"/>
-          </p:cNvSpPr>
-          <p:nvPr>
-            <p:ph sz="quarter" idx="1"/>
-          </p:nvPr>
-        </p:nvSpPr>
-        <p:spPr/>
-        <p:txBody>
-          <a:bodyPr/>
-          <a:lstStyle/>
-          <a:p>
-            <a:r>
-              <a:rPr lang="zh-TW" altLang="en-US" dirty="0" smtClean="0"/>
-              <a:t>加入播放、停止的功能</a:t>
-            </a:r>
-            <a:endParaRPr lang="zh-TW" altLang="en-US" dirty="0"/>
-          </a:p>
-        </p:txBody>
-      </p:sp>
       <p:pic>
         <p:nvPicPr>
-          <p:cNvPr id="3074" name="Picture 2"/>
+          <p:cNvPr id="1026" name="Picture 2"/>
           <p:cNvPicPr>
             <a:picLocks noChangeAspect="1" noChangeArrowheads="1"/>
           </p:cNvPicPr>
           <p:nvPr/>
         </p:nvPicPr>
         <p:blipFill>
-          <a:blip r:embed="rId2">
+          <a:blip r:embed="rId3">
             <a:extLst>
               <a:ext uri="{28A0092B-C50C-407E-A947-70E740481C1C}">
                 <a14:useLocalDpi xmlns:a14="http://schemas.microsoft.com/office/drawing/2010/main" val="0"/>
@@ -4490,8 +4447,8 @@
         </p:blipFill>
         <p:spPr bwMode="auto">
           <a:xfrm>
-            <a:off x="34850" y="3933056"/>
-            <a:ext cx="6837363" cy="2762250"/>
+            <a:off x="6480199" y="2266181"/>
+            <a:ext cx="2686050" cy="3048000"/>
           </a:xfrm>
           <a:prstGeom prst="rect">
             <a:avLst/>
@@ -4531,16 +4488,96 @@
           </a:extLst>
         </p:spPr>
       </p:pic>
+    </p:spTree>
+    <p:extLst>
+      <p:ext uri="{BB962C8B-B14F-4D97-AF65-F5344CB8AC3E}">
+        <p14:creationId xmlns:p14="http://schemas.microsoft.com/office/powerpoint/2010/main" val="2928305388"/>
+      </p:ext>
+    </p:extLst>
+  </p:cSld>
+  <p:clrMapOvr>
+    <a:masterClrMapping/>
+  </p:clrMapOvr>
+</p:sld>
+</file>
+
+<file path=ppt/slides/slide6.xml><?xml version="1.0" encoding="utf-8"?>
+<p:sld xmlns:a="http://schemas.openxmlformats.org/drawingml/2006/main" xmlns:r="http://schemas.openxmlformats.org/officeDocument/2006/relationships" xmlns:p="http://schemas.openxmlformats.org/presentationml/2006/main">
+  <p:cSld>
+    <p:spTree>
+      <p:nvGrpSpPr>
+        <p:cNvPr id="1" name=""/>
+        <p:cNvGrpSpPr/>
+        <p:nvPr/>
+      </p:nvGrpSpPr>
+      <p:grpSpPr>
+        <a:xfrm>
+          <a:off x="0" y="0"/>
+          <a:ext cx="0" cy="0"/>
+          <a:chOff x="0" y="0"/>
+          <a:chExt cx="0" cy="0"/>
+        </a:xfrm>
+      </p:grpSpPr>
+      <p:sp>
+        <p:nvSpPr>
+          <p:cNvPr id="2" name="標題 1"/>
+          <p:cNvSpPr>
+            <a:spLocks noGrp="1"/>
+          </p:cNvSpPr>
+          <p:nvPr>
+            <p:ph type="title"/>
+          </p:nvPr>
+        </p:nvSpPr>
+        <p:spPr/>
+        <p:txBody>
+          <a:bodyPr/>
+          <a:lstStyle/>
+          <a:p>
+            <a:r>
+              <a:rPr lang="en-US" altLang="zh-TW" dirty="0" smtClean="0"/>
+              <a:t>Demo3: </a:t>
+            </a:r>
+            <a:r>
+              <a:rPr lang="zh-TW" altLang="en-US" dirty="0" smtClean="0"/>
+              <a:t>播放不同音樂</a:t>
+            </a:r>
+            <a:endParaRPr lang="zh-TW" altLang="en-US" dirty="0"/>
+          </a:p>
+        </p:txBody>
+      </p:sp>
+      <p:sp>
+        <p:nvSpPr>
+          <p:cNvPr id="3" name="內容版面配置區 2"/>
+          <p:cNvSpPr>
+            <a:spLocks noGrp="1"/>
+          </p:cNvSpPr>
+          <p:nvPr>
+            <p:ph sz="quarter" idx="1"/>
+          </p:nvPr>
+        </p:nvSpPr>
+        <p:spPr/>
+        <p:txBody>
+          <a:bodyPr/>
+          <a:lstStyle/>
+          <a:p>
+            <a:r>
+              <a:rPr lang="zh-TW" altLang="en-US" dirty="0" smtClean="0"/>
+              <a:t>加入播放、停止的功能</a:t>
+            </a:r>
+            <a:endParaRPr lang="zh-TW" altLang="en-US" dirty="0"/>
+          </a:p>
+        </p:txBody>
+      </p:sp>
       <p:pic>
         <p:nvPicPr>
-          <p:cNvPr id="3075" name="Picture 3"/>
+          <p:cNvPr id="2050" name="Picture 2"/>
           <p:cNvPicPr>
             <a:picLocks noChangeAspect="1" noChangeArrowheads="1"/>
           </p:cNvPicPr>
           <p:nvPr/>
         </p:nvPicPr>
         <p:blipFill>
-          <a:blip r:embed="rId3">
+          <a:blip r:embed="rId2">
             <a:extLst>
               <a:ext uri="{28A0092B-C50C-407E-A947-70E740481C1C}">
                 <a14:useLocalDpi xmlns:a14="http://schemas.microsoft.com/office/drawing/2010/main" val="0"/>
@@ -4554,8 +4591,8 @@
         </p:blipFill>
         <p:spPr bwMode="auto">
           <a:xfrm>
-            <a:off x="6216204" y="2636912"/>
-            <a:ext cx="3343275" cy="2867025"/>
+            <a:off x="899592" y="3933056"/>
+            <a:ext cx="7570787" cy="2543175"/>
           </a:xfrm>
           <a:prstGeom prst="rect">
             <a:avLst/>
@@ -4595,96 +4632,16 @@
           </a:extLst>
         </p:spPr>
       </p:pic>
-    </p:spTree>
-    <p:extLst>
-      <p:ext uri="{BB962C8B-B14F-4D97-AF65-F5344CB8AC3E}">
-        <p14:creationId xmlns:p14="http://schemas.microsoft.com/office/powerpoint/2010/main" val="2928305388"/>
-      </p:ext>
-    </p:extLst>
-  </p:cSld>
-  <p:clrMapOvr>
-    <a:masterClrMapping/>
-  </p:clrMapOvr>
-</p:sld>
-</file>
-
-<file path=ppt/slides/slide7.xml><?xml version="1.0" encoding="utf-8"?>
-<p:sld xmlns:a="http://schemas.openxmlformats.org/drawingml/2006/main" xmlns:r="http://schemas.openxmlformats.org/officeDocument/2006/relationships" xmlns:p="http://schemas.openxmlformats.org/presentationml/2006/main">
-  <p:cSld>
-    <p:spTree>
-      <p:nvGrpSpPr>
-        <p:cNvPr id="1" name=""/>
-        <p:cNvGrpSpPr/>
-        <p:nvPr/>
-      </p:nvGrpSpPr>
-      <p:grpSpPr>
-        <a:xfrm>
-          <a:off x="0" y="0"/>
-          <a:ext cx="0" cy="0"/>
-          <a:chOff x="0" y="0"/>
-          <a:chExt cx="0" cy="0"/>
-        </a:xfrm>
-      </p:grpSpPr>
-      <p:sp>
-        <p:nvSpPr>
-          <p:cNvPr id="2" name="標題 1"/>
-          <p:cNvSpPr>
-            <a:spLocks noGrp="1"/>
-          </p:cNvSpPr>
-          <p:nvPr>
-            <p:ph type="title"/>
-          </p:nvPr>
-        </p:nvSpPr>
-        <p:spPr/>
-        <p:txBody>
-          <a:bodyPr/>
-          <a:lstStyle/>
-          <a:p>
-            <a:r>
-              <a:rPr lang="en-US" altLang="zh-TW" dirty="0" smtClean="0"/>
-              <a:t>Demo3: </a:t>
-            </a:r>
-            <a:r>
-              <a:rPr lang="zh-TW" altLang="en-US" dirty="0" smtClean="0"/>
-              <a:t>播放不同音樂</a:t>
-            </a:r>
-            <a:endParaRPr lang="zh-TW" altLang="en-US" dirty="0"/>
-          </a:p>
-        </p:txBody>
-      </p:sp>
-      <p:sp>
-        <p:nvSpPr>
-          <p:cNvPr id="3" name="內容版面配置區 2"/>
-          <p:cNvSpPr>
-            <a:spLocks noGrp="1"/>
-          </p:cNvSpPr>
-          <p:nvPr>
-            <p:ph sz="quarter" idx="1"/>
-          </p:nvPr>
-        </p:nvSpPr>
-        <p:spPr/>
-        <p:txBody>
-          <a:bodyPr/>
-          <a:lstStyle/>
-          <a:p>
-            <a:r>
-              <a:rPr lang="zh-TW" altLang="en-US" dirty="0" smtClean="0"/>
-              <a:t>加入播放、停止的功能</a:t>
-            </a:r>
-            <a:endParaRPr lang="zh-TW" altLang="en-US" dirty="0"/>
-          </a:p>
-        </p:txBody>
-      </p:sp>
       <p:pic>
         <p:nvPicPr>
-          <p:cNvPr id="4098" name="Picture 2"/>
+          <p:cNvPr id="2051" name="Picture 3"/>
           <p:cNvPicPr>
             <a:picLocks noChangeAspect="1" noChangeArrowheads="1"/>
           </p:cNvPicPr>
           <p:nvPr/>
         </p:nvPicPr>
         <p:blipFill>
-          <a:blip r:embed="rId2">
+          <a:blip r:embed="rId3">
             <a:extLst>
               <a:ext uri="{28A0092B-C50C-407E-A947-70E740481C1C}">
                 <a14:useLocalDpi xmlns:a14="http://schemas.microsoft.com/office/drawing/2010/main" val="0"/>
@@ -4698,8 +4655,8 @@
         </p:blipFill>
         <p:spPr bwMode="auto">
           <a:xfrm>
-            <a:off x="1100138" y="2276872"/>
-            <a:ext cx="6942137" cy="3924300"/>
+            <a:off x="5292080" y="1988840"/>
+            <a:ext cx="3486150" cy="1819275"/>
           </a:xfrm>
           <a:prstGeom prst="rect">
             <a:avLst/>
